--- a/templates/HPP_Template.pptx
+++ b/templates/HPP_Template.pptx
@@ -9209,7 +9209,7 @@
           <a:p>
             <a:fld id="{C17F2C1D-F243-42AB-ADF2-E7CB4E04900E}" type="datetimeFigureOut">
               <a:rPr lang="en-US" smtClean="0"/>
-              <a:t>11/13/2022</a:t>
+              <a:t>11/22/2022</a:t>
             </a:fld>
             <a:endParaRPr lang="en-US"/>
           </a:p>
@@ -9386,7 +9386,7 @@
           <a:p>
             <a:fld id="{020CE34E-5667-4A32-A6BA-10C7A552BC63}" type="datetimeFigureOut">
               <a:rPr lang="en-US" smtClean="0"/>
-              <a:t>11/13/2022</a:t>
+              <a:t>11/22/2022</a:t>
             </a:fld>
             <a:endParaRPr lang="en-US"/>
           </a:p>
@@ -22477,13 +22477,13 @@
   <p:clrMapOvr>
     <a:masterClrMapping/>
   </p:clrMapOvr>
-  <mc:AlternateContent xmlns:mc="http://schemas.openxmlformats.org/markup-compatibility/2006">
-    <mc:Choice xmlns:p159="http://schemas.microsoft.com/office/powerpoint/2015/09/main" Requires="p159">
+  <mc:AlternateContent xmlns:mc="http://schemas.openxmlformats.org/markup-compatibility/2006" xmlns:p159="http://schemas.microsoft.com/office/powerpoint/2015/09/main">
+    <mc:Choice Requires="p159">
       <p:transition xmlns:p14="http://schemas.microsoft.com/office/powerpoint/2010/main" spd="slow" p14:dur="2000">
         <p159:morph option="byChar"/>
       </p:transition>
     </mc:Choice>
-    <mc:Fallback>
+    <mc:Fallback xmlns="">
       <p:transition spd="slow">
         <p:fade/>
       </p:transition>
@@ -22614,40 +22614,6 @@
           </a:xfrm>
         </p:spPr>
       </p:pic>
-      <p:sp>
-        <p:nvSpPr>
-          <p:cNvPr id="19" name="Date Placeholder 18">
-            <a:extLst>
-              <a:ext uri="{FF2B5EF4-FFF2-40B4-BE49-F238E27FC236}">
-                <a16:creationId xmlns:a16="http://schemas.microsoft.com/office/drawing/2014/main" id="{386DB667-0553-4FB8-B0E0-776539934AFF}"/>
-              </a:ext>
-            </a:extLst>
-          </p:cNvPr>
-          <p:cNvSpPr>
-            <a:spLocks noGrp="1"/>
-          </p:cNvSpPr>
-          <p:nvPr>
-            <p:ph type="dt" sz="half" idx="10"/>
-          </p:nvPr>
-        </p:nvSpPr>
-        <p:spPr>
-          <a:xfrm>
-            <a:off x="550863" y="6507212"/>
-            <a:ext cx="2628900" cy="153888"/>
-          </a:xfrm>
-        </p:spPr>
-        <p:txBody>
-          <a:bodyPr/>
-          <a:lstStyle/>
-          <a:p>
-            <a:r>
-              <a:rPr lang="en-US"/>
-              <a:t>Tuesday, February 2, 20XX</a:t>
-            </a:r>
-            <a:endParaRPr lang="en-US" dirty="0"/>
-          </a:p>
-        </p:txBody>
-      </p:sp>
       <p:sp>
         <p:nvSpPr>
           <p:cNvPr id="20" name="Footer Placeholder 19">
@@ -23193,40 +23159,6 @@
       </p:sp>
       <p:sp>
         <p:nvSpPr>
-          <p:cNvPr id="7" name="Date Placeholder 6">
-            <a:extLst>
-              <a:ext uri="{FF2B5EF4-FFF2-40B4-BE49-F238E27FC236}">
-                <a16:creationId xmlns:a16="http://schemas.microsoft.com/office/drawing/2014/main" id="{45F69D6A-822D-4DB9-A2CC-D9106F1F2B68}"/>
-              </a:ext>
-            </a:extLst>
-          </p:cNvPr>
-          <p:cNvSpPr>
-            <a:spLocks noGrp="1"/>
-          </p:cNvSpPr>
-          <p:nvPr>
-            <p:ph type="dt" sz="half" idx="10"/>
-          </p:nvPr>
-        </p:nvSpPr>
-        <p:spPr>
-          <a:xfrm>
-            <a:off x="550863" y="6507212"/>
-            <a:ext cx="2628900" cy="153888"/>
-          </a:xfrm>
-        </p:spPr>
-        <p:txBody>
-          <a:bodyPr/>
-          <a:lstStyle/>
-          <a:p>
-            <a:r>
-              <a:rPr lang="en-US"/>
-              <a:t>Tuesday, February 2, 20XX</a:t>
-            </a:r>
-            <a:endParaRPr lang="en-US" dirty="0"/>
-          </a:p>
-        </p:txBody>
-      </p:sp>
-      <p:sp>
-        <p:nvSpPr>
           <p:cNvPr id="8" name="Footer Placeholder 7">
             <a:extLst>
               <a:ext uri="{FF2B5EF4-FFF2-40B4-BE49-F238E27FC236}">
@@ -23400,40 +23332,6 @@
           </a:graphicData>
         </a:graphic>
       </p:graphicFrame>
-      <p:sp>
-        <p:nvSpPr>
-          <p:cNvPr id="2" name="Date Placeholder 1">
-            <a:extLst>
-              <a:ext uri="{FF2B5EF4-FFF2-40B4-BE49-F238E27FC236}">
-                <a16:creationId xmlns:a16="http://schemas.microsoft.com/office/drawing/2014/main" id="{81FCAF0A-629F-4EC6-B3E6-563ED999F360}"/>
-              </a:ext>
-            </a:extLst>
-          </p:cNvPr>
-          <p:cNvSpPr>
-            <a:spLocks noGrp="1"/>
-          </p:cNvSpPr>
-          <p:nvPr>
-            <p:ph type="dt" sz="half" idx="10"/>
-          </p:nvPr>
-        </p:nvSpPr>
-        <p:spPr>
-          <a:xfrm>
-            <a:off x="550863" y="6507212"/>
-            <a:ext cx="2628900" cy="153888"/>
-          </a:xfrm>
-        </p:spPr>
-        <p:txBody>
-          <a:bodyPr/>
-          <a:lstStyle/>
-          <a:p>
-            <a:r>
-              <a:rPr lang="en-US"/>
-              <a:t>Tuesday, February 2, 20XX</a:t>
-            </a:r>
-            <a:endParaRPr lang="en-US" dirty="0"/>
-          </a:p>
-        </p:txBody>
-      </p:sp>
       <p:sp>
         <p:nvSpPr>
           <p:cNvPr id="7" name="Footer Placeholder 6">
@@ -24064,40 +23962,6 @@
       </p:sp>
       <p:sp>
         <p:nvSpPr>
-          <p:cNvPr id="4" name="Date Placeholder 3">
-            <a:extLst>
-              <a:ext uri="{FF2B5EF4-FFF2-40B4-BE49-F238E27FC236}">
-                <a16:creationId xmlns:a16="http://schemas.microsoft.com/office/drawing/2014/main" id="{0C329F70-04F7-4C70-BCF8-D4371F54EF2F}"/>
-              </a:ext>
-            </a:extLst>
-          </p:cNvPr>
-          <p:cNvSpPr>
-            <a:spLocks noGrp="1"/>
-          </p:cNvSpPr>
-          <p:nvPr>
-            <p:ph type="dt" sz="half" idx="10"/>
-          </p:nvPr>
-        </p:nvSpPr>
-        <p:spPr>
-          <a:xfrm>
-            <a:off x="550863" y="6507212"/>
-            <a:ext cx="2628900" cy="153888"/>
-          </a:xfrm>
-        </p:spPr>
-        <p:txBody>
-          <a:bodyPr/>
-          <a:lstStyle/>
-          <a:p>
-            <a:r>
-              <a:rPr lang="en-US"/>
-              <a:t>Tuesday, February 2, 20XX</a:t>
-            </a:r>
-            <a:endParaRPr lang="en-US" dirty="0"/>
-          </a:p>
-        </p:txBody>
-      </p:sp>
-      <p:sp>
-        <p:nvSpPr>
           <p:cNvPr id="5" name="Footer Placeholder 4">
             <a:extLst>
               <a:ext uri="{FF2B5EF4-FFF2-40B4-BE49-F238E27FC236}">
@@ -24696,40 +24560,6 @@
       </p:sp>
       <p:sp>
         <p:nvSpPr>
-          <p:cNvPr id="14" name="Date Placeholder 13">
-            <a:extLst>
-              <a:ext uri="{FF2B5EF4-FFF2-40B4-BE49-F238E27FC236}">
-                <a16:creationId xmlns:a16="http://schemas.microsoft.com/office/drawing/2014/main" id="{D236478C-E242-44E0-8357-C72C9B588CA7}"/>
-              </a:ext>
-            </a:extLst>
-          </p:cNvPr>
-          <p:cNvSpPr>
-            <a:spLocks noGrp="1"/>
-          </p:cNvSpPr>
-          <p:nvPr>
-            <p:ph type="dt" sz="half" idx="10"/>
-          </p:nvPr>
-        </p:nvSpPr>
-        <p:spPr>
-          <a:xfrm>
-            <a:off x="550863" y="6507212"/>
-            <a:ext cx="2628900" cy="153888"/>
-          </a:xfrm>
-        </p:spPr>
-        <p:txBody>
-          <a:bodyPr/>
-          <a:lstStyle/>
-          <a:p>
-            <a:r>
-              <a:rPr lang="en-US"/>
-              <a:t>Tuesday, February 2, 20XX</a:t>
-            </a:r>
-            <a:endParaRPr lang="en-US" dirty="0"/>
-          </a:p>
-        </p:txBody>
-      </p:sp>
-      <p:sp>
-        <p:nvSpPr>
           <p:cNvPr id="15" name="Footer Placeholder 14">
             <a:extLst>
               <a:ext uri="{FF2B5EF4-FFF2-40B4-BE49-F238E27FC236}">
@@ -24943,40 +24773,6 @@
       </p:sp>
       <p:sp>
         <p:nvSpPr>
-          <p:cNvPr id="4" name="Date Placeholder 3">
-            <a:extLst>
-              <a:ext uri="{FF2B5EF4-FFF2-40B4-BE49-F238E27FC236}">
-                <a16:creationId xmlns:a16="http://schemas.microsoft.com/office/drawing/2014/main" id="{0C329F70-04F7-4C70-BCF8-D4371F54EF2F}"/>
-              </a:ext>
-            </a:extLst>
-          </p:cNvPr>
-          <p:cNvSpPr>
-            <a:spLocks noGrp="1"/>
-          </p:cNvSpPr>
-          <p:nvPr>
-            <p:ph type="dt" sz="half" idx="10"/>
-          </p:nvPr>
-        </p:nvSpPr>
-        <p:spPr>
-          <a:xfrm>
-            <a:off x="550863" y="6507212"/>
-            <a:ext cx="2628900" cy="153888"/>
-          </a:xfrm>
-        </p:spPr>
-        <p:txBody>
-          <a:bodyPr/>
-          <a:lstStyle/>
-          <a:p>
-            <a:r>
-              <a:rPr lang="en-US"/>
-              <a:t>Tuesday, February 2, 20XX</a:t>
-            </a:r>
-            <a:endParaRPr lang="en-US" dirty="0"/>
-          </a:p>
-        </p:txBody>
-      </p:sp>
-      <p:sp>
-        <p:nvSpPr>
           <p:cNvPr id="5" name="Footer Placeholder 4">
             <a:extLst>
               <a:ext uri="{FF2B5EF4-FFF2-40B4-BE49-F238E27FC236}">
@@ -25153,39 +24949,6 @@
           </a:xfrm>
         </p:spPr>
       </p:pic>
-      <p:sp>
-        <p:nvSpPr>
-          <p:cNvPr id="13" name="Date Placeholder 12">
-            <a:extLst>
-              <a:ext uri="{FF2B5EF4-FFF2-40B4-BE49-F238E27FC236}">
-                <a16:creationId xmlns:a16="http://schemas.microsoft.com/office/drawing/2014/main" id="{915FE2C5-E66A-4405-B19E-2C5C546C98E4}"/>
-              </a:ext>
-            </a:extLst>
-          </p:cNvPr>
-          <p:cNvSpPr>
-            <a:spLocks noGrp="1"/>
-          </p:cNvSpPr>
-          <p:nvPr>
-            <p:ph type="dt" sz="half" idx="10"/>
-          </p:nvPr>
-        </p:nvSpPr>
-        <p:spPr>
-          <a:xfrm>
-            <a:off x="550863" y="6507212"/>
-            <a:ext cx="2628900" cy="153888"/>
-          </a:xfrm>
-        </p:spPr>
-        <p:txBody>
-          <a:bodyPr/>
-          <a:lstStyle/>
-          <a:p>
-            <a:r>
-              <a:rPr lang="en-US"/>
-              <a:t>Tuesday, February 2, 20XX</a:t>
-            </a:r>
-          </a:p>
-        </p:txBody>
-      </p:sp>
       <p:sp>
         <p:nvSpPr>
           <p:cNvPr id="14" name="Footer Placeholder 13">
@@ -25497,39 +25260,6 @@
       </p:pic>
       <p:sp>
         <p:nvSpPr>
-          <p:cNvPr id="13" name="Date Placeholder 12">
-            <a:extLst>
-              <a:ext uri="{FF2B5EF4-FFF2-40B4-BE49-F238E27FC236}">
-                <a16:creationId xmlns:a16="http://schemas.microsoft.com/office/drawing/2014/main" id="{915FE2C5-E66A-4405-B19E-2C5C546C98E4}"/>
-              </a:ext>
-            </a:extLst>
-          </p:cNvPr>
-          <p:cNvSpPr>
-            <a:spLocks noGrp="1"/>
-          </p:cNvSpPr>
-          <p:nvPr>
-            <p:ph type="dt" sz="half" idx="10"/>
-          </p:nvPr>
-        </p:nvSpPr>
-        <p:spPr>
-          <a:xfrm>
-            <a:off x="550863" y="6507212"/>
-            <a:ext cx="2628900" cy="153888"/>
-          </a:xfrm>
-        </p:spPr>
-        <p:txBody>
-          <a:bodyPr/>
-          <a:lstStyle/>
-          <a:p>
-            <a:r>
-              <a:rPr lang="en-US"/>
-              <a:t>Tuesday, February 2, 20XX</a:t>
-            </a:r>
-          </a:p>
-        </p:txBody>
-      </p:sp>
-      <p:sp>
-        <p:nvSpPr>
           <p:cNvPr id="14" name="Footer Placeholder 13">
             <a:extLst>
               <a:ext uri="{FF2B5EF4-FFF2-40B4-BE49-F238E27FC236}">
@@ -25791,46 +25521,6 @@
             <a:r>
               <a:rPr lang="en-US" dirty="0"/>
               <a:t>Next Week</a:t>
-            </a:r>
-          </a:p>
-        </p:txBody>
-      </p:sp>
-      <p:sp>
-        <p:nvSpPr>
-          <p:cNvPr id="2" name="Date Placeholder 1">
-            <a:extLst>
-              <a:ext uri="{FF2B5EF4-FFF2-40B4-BE49-F238E27FC236}">
-                <a16:creationId xmlns:a16="http://schemas.microsoft.com/office/drawing/2014/main" id="{81FCAF0A-629F-4EC6-B3E6-563ED999F360}"/>
-              </a:ext>
-            </a:extLst>
-          </p:cNvPr>
-          <p:cNvSpPr>
-            <a:spLocks noGrp="1"/>
-          </p:cNvSpPr>
-          <p:nvPr>
-            <p:ph type="dt" sz="half" idx="10"/>
-          </p:nvPr>
-        </p:nvSpPr>
-        <p:spPr>
-          <a:xfrm>
-            <a:off x="550863" y="6507212"/>
-            <a:ext cx="2628900" cy="153888"/>
-          </a:xfrm>
-        </p:spPr>
-        <p:txBody>
-          <a:bodyPr>
-            <a:normAutofit/>
-          </a:bodyPr>
-          <a:lstStyle/>
-          <a:p>
-            <a:pPr>
-              <a:spcAft>
-                <a:spcPts val="600"/>
-              </a:spcAft>
-            </a:pPr>
-            <a:r>
-              <a:rPr lang="en-US"/>
-              <a:t>Tuesday, February 2, 20XX</a:t>
             </a:r>
           </a:p>
         </p:txBody>
@@ -26137,39 +25827,6 @@
           </a:xfrm>
         </p:spPr>
       </p:pic>
-      <p:sp>
-        <p:nvSpPr>
-          <p:cNvPr id="4" name="Date Placeholder 3">
-            <a:extLst>
-              <a:ext uri="{FF2B5EF4-FFF2-40B4-BE49-F238E27FC236}">
-                <a16:creationId xmlns:a16="http://schemas.microsoft.com/office/drawing/2014/main" id="{7823E305-6365-4345-8BD1-4A31C61D96CB}"/>
-              </a:ext>
-            </a:extLst>
-          </p:cNvPr>
-          <p:cNvSpPr>
-            <a:spLocks noGrp="1"/>
-          </p:cNvSpPr>
-          <p:nvPr>
-            <p:ph type="dt" sz="half" idx="10"/>
-          </p:nvPr>
-        </p:nvSpPr>
-        <p:spPr>
-          <a:xfrm>
-            <a:off x="550863" y="6507212"/>
-            <a:ext cx="2628900" cy="153888"/>
-          </a:xfrm>
-        </p:spPr>
-        <p:txBody>
-          <a:bodyPr/>
-          <a:lstStyle/>
-          <a:p>
-            <a:r>
-              <a:rPr lang="en-US"/>
-              <a:t>Tuesday, February 2, 20XX</a:t>
-            </a:r>
-          </a:p>
-        </p:txBody>
-      </p:sp>
       <p:sp>
         <p:nvSpPr>
           <p:cNvPr id="5" name="Footer Placeholder 4">
@@ -27452,34 +27109,6 @@
       </p:sp>
       <p:sp>
         <p:nvSpPr>
-          <p:cNvPr id="2" name="Date Placeholder 1">
-            <a:extLst>
-              <a:ext uri="{FF2B5EF4-FFF2-40B4-BE49-F238E27FC236}">
-                <a16:creationId xmlns:a16="http://schemas.microsoft.com/office/drawing/2014/main" id="{2910D835-B454-4270-BB35-86A187307E6F}"/>
-              </a:ext>
-            </a:extLst>
-          </p:cNvPr>
-          <p:cNvSpPr>
-            <a:spLocks noGrp="1"/>
-          </p:cNvSpPr>
-          <p:nvPr>
-            <p:ph type="dt" sz="half" idx="10"/>
-          </p:nvPr>
-        </p:nvSpPr>
-        <p:spPr/>
-        <p:txBody>
-          <a:bodyPr/>
-          <a:lstStyle/>
-          <a:p>
-            <a:r>
-              <a:rPr lang="en-US"/>
-              <a:t>Tuesday, February 2, 20XX</a:t>
-            </a:r>
-          </a:p>
-        </p:txBody>
-      </p:sp>
-      <p:sp>
-        <p:nvSpPr>
           <p:cNvPr id="3" name="Footer Placeholder 2">
             <a:extLst>
               <a:ext uri="{FF2B5EF4-FFF2-40B4-BE49-F238E27FC236}">
@@ -27714,40 +27343,6 @@
           </a:xfrm>
         </p:spPr>
       </p:pic>
-      <p:sp>
-        <p:nvSpPr>
-          <p:cNvPr id="4" name="Date Placeholder 3">
-            <a:extLst>
-              <a:ext uri="{FF2B5EF4-FFF2-40B4-BE49-F238E27FC236}">
-                <a16:creationId xmlns:a16="http://schemas.microsoft.com/office/drawing/2014/main" id="{0C329F70-04F7-4C70-BCF8-D4371F54EF2F}"/>
-              </a:ext>
-            </a:extLst>
-          </p:cNvPr>
-          <p:cNvSpPr>
-            <a:spLocks noGrp="1"/>
-          </p:cNvSpPr>
-          <p:nvPr>
-            <p:ph type="dt" sz="half" idx="10"/>
-          </p:nvPr>
-        </p:nvSpPr>
-        <p:spPr>
-          <a:xfrm>
-            <a:off x="550863" y="6507212"/>
-            <a:ext cx="2628900" cy="153888"/>
-          </a:xfrm>
-        </p:spPr>
-        <p:txBody>
-          <a:bodyPr/>
-          <a:lstStyle/>
-          <a:p>
-            <a:r>
-              <a:rPr lang="en-US"/>
-              <a:t>Tuesday, February 2, 20XX</a:t>
-            </a:r>
-            <a:endParaRPr lang="en-US" dirty="0"/>
-          </a:p>
-        </p:txBody>
-      </p:sp>
       <p:sp>
         <p:nvSpPr>
           <p:cNvPr id="5" name="Footer Placeholder 4">
@@ -27993,40 +27588,6 @@
           </a:graphicData>
         </a:graphic>
       </p:graphicFrame>
-      <p:sp>
-        <p:nvSpPr>
-          <p:cNvPr id="4" name="Date Placeholder 3">
-            <a:extLst>
-              <a:ext uri="{FF2B5EF4-FFF2-40B4-BE49-F238E27FC236}">
-                <a16:creationId xmlns:a16="http://schemas.microsoft.com/office/drawing/2014/main" id="{E39EF484-38C8-4EDC-ACF5-695CFB216839}"/>
-              </a:ext>
-            </a:extLst>
-          </p:cNvPr>
-          <p:cNvSpPr>
-            <a:spLocks noGrp="1"/>
-          </p:cNvSpPr>
-          <p:nvPr>
-            <p:ph type="dt" sz="half" idx="10"/>
-          </p:nvPr>
-        </p:nvSpPr>
-        <p:spPr>
-          <a:xfrm>
-            <a:off x="550863" y="6507212"/>
-            <a:ext cx="2628900" cy="153888"/>
-          </a:xfrm>
-        </p:spPr>
-        <p:txBody>
-          <a:bodyPr/>
-          <a:lstStyle/>
-          <a:p>
-            <a:r>
-              <a:rPr lang="en-US"/>
-              <a:t>Tuesday, February 2, 20XX</a:t>
-            </a:r>
-            <a:endParaRPr lang="en-US" dirty="0"/>
-          </a:p>
-        </p:txBody>
-      </p:sp>
       <p:sp>
         <p:nvSpPr>
           <p:cNvPr id="5" name="Footer Placeholder 4">
@@ -29667,39 +29228,6 @@
       </p:graphicFrame>
       <p:sp>
         <p:nvSpPr>
-          <p:cNvPr id="14" name="Date Placeholder 13">
-            <a:extLst>
-              <a:ext uri="{FF2B5EF4-FFF2-40B4-BE49-F238E27FC236}">
-                <a16:creationId xmlns:a16="http://schemas.microsoft.com/office/drawing/2014/main" id="{DC738669-5750-45EA-9715-A0041D4C569B}"/>
-              </a:ext>
-            </a:extLst>
-          </p:cNvPr>
-          <p:cNvSpPr>
-            <a:spLocks noGrp="1"/>
-          </p:cNvSpPr>
-          <p:nvPr>
-            <p:ph type="dt" sz="half" idx="10"/>
-          </p:nvPr>
-        </p:nvSpPr>
-        <p:spPr>
-          <a:xfrm>
-            <a:off x="550863" y="6507212"/>
-            <a:ext cx="2628900" cy="153888"/>
-          </a:xfrm>
-        </p:spPr>
-        <p:txBody>
-          <a:bodyPr/>
-          <a:lstStyle/>
-          <a:p>
-            <a:r>
-              <a:rPr lang="en-US"/>
-              <a:t>Tuesday, February 2, 20XX</a:t>
-            </a:r>
-          </a:p>
-        </p:txBody>
-      </p:sp>
-      <p:sp>
-        <p:nvSpPr>
           <p:cNvPr id="15" name="Footer Placeholder 14">
             <a:extLst>
               <a:ext uri="{FF2B5EF4-FFF2-40B4-BE49-F238E27FC236}">
@@ -30583,22 +30111,12 @@
 </file>
 
 <file path=customXml/item1.xml><?xml version="1.0" encoding="utf-8"?>
-<p:properties xmlns:p="http://schemas.microsoft.com/office/2006/metadata/properties" xmlns:xsi="http://www.w3.org/2001/XMLSchema-instance" xmlns:pc="http://schemas.microsoft.com/office/infopath/2007/PartnerControls">
-  <documentManagement>
-    <_ip_UnifiedCompliancePolicyUIAction xmlns="http://schemas.microsoft.com/sharepoint/v3" xsi:nil="true"/>
-    <Image xmlns="71af3243-3dd4-4a8d-8c0d-dd76da1f02a5">
-      <Url xsi:nil="true"/>
-      <Description xsi:nil="true"/>
-    </Image>
-    <Status xmlns="71af3243-3dd4-4a8d-8c0d-dd76da1f02a5">Not started</Status>
-    <_ip_UnifiedCompliancePolicyProperties xmlns="http://schemas.microsoft.com/sharepoint/v3" xsi:nil="true"/>
-    <lcf76f155ced4ddcb4097134ff3c332f xmlns="71af3243-3dd4-4a8d-8c0d-dd76da1f02a5">
-      <Terms xmlns="http://schemas.microsoft.com/office/infopath/2007/PartnerControls"/>
-    </lcf76f155ced4ddcb4097134ff3c332f>
-    <TaxCatchAll xmlns="230e9df3-be65-4c73-a93b-d1236ebd677e"/>
-    <MediaServiceKeyPoints xmlns="71af3243-3dd4-4a8d-8c0d-dd76da1f02a5" xsi:nil="true"/>
-  </documentManagement>
-</p:properties>
+<?mso-contentType ?>
+<FormTemplates xmlns="http://schemas.microsoft.com/sharepoint/v3/contenttype/forms">
+  <Display>DocumentLibraryForm</Display>
+  <Edit>DocumentLibraryForm</Edit>
+  <New>DocumentLibraryForm</New>
+</FormTemplates>
 </file>
 
 <file path=customXml/item2.xml><?xml version="1.0" encoding="utf-8"?>
@@ -30878,22 +30396,28 @@
 </file>
 
 <file path=customXml/item3.xml><?xml version="1.0" encoding="utf-8"?>
-<?mso-contentType ?>
-<FormTemplates xmlns="http://schemas.microsoft.com/sharepoint/v3/contenttype/forms">
-  <Display>DocumentLibraryForm</Display>
-  <Edit>DocumentLibraryForm</Edit>
-  <New>DocumentLibraryForm</New>
-</FormTemplates>
+<p:properties xmlns:p="http://schemas.microsoft.com/office/2006/metadata/properties" xmlns:xsi="http://www.w3.org/2001/XMLSchema-instance" xmlns:pc="http://schemas.microsoft.com/office/infopath/2007/PartnerControls">
+  <documentManagement>
+    <_ip_UnifiedCompliancePolicyUIAction xmlns="http://schemas.microsoft.com/sharepoint/v3" xsi:nil="true"/>
+    <Image xmlns="71af3243-3dd4-4a8d-8c0d-dd76da1f02a5">
+      <Url xsi:nil="true"/>
+      <Description xsi:nil="true"/>
+    </Image>
+    <Status xmlns="71af3243-3dd4-4a8d-8c0d-dd76da1f02a5">Not started</Status>
+    <_ip_UnifiedCompliancePolicyProperties xmlns="http://schemas.microsoft.com/sharepoint/v3" xsi:nil="true"/>
+    <lcf76f155ced4ddcb4097134ff3c332f xmlns="71af3243-3dd4-4a8d-8c0d-dd76da1f02a5">
+      <Terms xmlns="http://schemas.microsoft.com/office/infopath/2007/PartnerControls"/>
+    </lcf76f155ced4ddcb4097134ff3c332f>
+    <TaxCatchAll xmlns="230e9df3-be65-4c73-a93b-d1236ebd677e"/>
+    <MediaServiceKeyPoints xmlns="71af3243-3dd4-4a8d-8c0d-dd76da1f02a5" xsi:nil="true"/>
+  </documentManagement>
+</p:properties>
 </file>
 
 <file path=customXml/itemProps1.xml><?xml version="1.0" encoding="utf-8"?>
-<ds:datastoreItem xmlns:ds="http://schemas.openxmlformats.org/officeDocument/2006/customXml" ds:itemID="{50811A92-D464-4AC4-A396-BA73B10CEEAC}">
+<ds:datastoreItem xmlns:ds="http://schemas.openxmlformats.org/officeDocument/2006/customXml" ds:itemID="{904751AB-E840-446F-8D49-E697067EC887}">
   <ds:schemaRefs>
-    <ds:schemaRef ds:uri="http://schemas.microsoft.com/office/2006/metadata/properties"/>
-    <ds:schemaRef ds:uri="http://schemas.microsoft.com/office/infopath/2007/PartnerControls"/>
-    <ds:schemaRef ds:uri="http://schemas.microsoft.com/sharepoint/v3"/>
-    <ds:schemaRef ds:uri="71af3243-3dd4-4a8d-8c0d-dd76da1f02a5"/>
-    <ds:schemaRef ds:uri="230e9df3-be65-4c73-a93b-d1236ebd677e"/>
+    <ds:schemaRef ds:uri="http://schemas.microsoft.com/sharepoint/v3/contenttype/forms"/>
   </ds:schemaRefs>
 </ds:datastoreItem>
 </file>
@@ -30920,9 +30444,13 @@
 </file>
 
 <file path=customXml/itemProps3.xml><?xml version="1.0" encoding="utf-8"?>
-<ds:datastoreItem xmlns:ds="http://schemas.openxmlformats.org/officeDocument/2006/customXml" ds:itemID="{904751AB-E840-446F-8D49-E697067EC887}">
+<ds:datastoreItem xmlns:ds="http://schemas.openxmlformats.org/officeDocument/2006/customXml" ds:itemID="{50811A92-D464-4AC4-A396-BA73B10CEEAC}">
   <ds:schemaRefs>
-    <ds:schemaRef ds:uri="http://schemas.microsoft.com/sharepoint/v3/contenttype/forms"/>
+    <ds:schemaRef ds:uri="http://schemas.microsoft.com/office/2006/metadata/properties"/>
+    <ds:schemaRef ds:uri="http://schemas.microsoft.com/office/infopath/2007/PartnerControls"/>
+    <ds:schemaRef ds:uri="http://schemas.microsoft.com/sharepoint/v3"/>
+    <ds:schemaRef ds:uri="71af3243-3dd4-4a8d-8c0d-dd76da1f02a5"/>
+    <ds:schemaRef ds:uri="230e9df3-be65-4c73-a93b-d1236ebd677e"/>
   </ds:schemaRefs>
 </ds:datastoreItem>
 </file>

--- a/templates/HPP_Template.pptx
+++ b/templates/HPP_Template.pptx
@@ -5,10 +5,10 @@
     <p:sldMasterId id="2147483684" r:id="rId4"/>
   </p:sldMasterIdLst>
   <p:notesMasterIdLst>
-    <p:notesMasterId r:id="rId20"/>
+    <p:notesMasterId r:id="rId21"/>
   </p:notesMasterIdLst>
   <p:handoutMasterIdLst>
-    <p:handoutMasterId r:id="rId21"/>
+    <p:handoutMasterId r:id="rId22"/>
   </p:handoutMasterIdLst>
   <p:sldIdLst>
     <p:sldId id="417" r:id="rId5"/>
@@ -24,8 +24,9 @@
     <p:sldId id="268" r:id="rId15"/>
     <p:sldId id="272" r:id="rId16"/>
     <p:sldId id="270" r:id="rId17"/>
-    <p:sldId id="281" r:id="rId18"/>
-    <p:sldId id="321" r:id="rId19"/>
+    <p:sldId id="461" r:id="rId18"/>
+    <p:sldId id="281" r:id="rId19"/>
+    <p:sldId id="321" r:id="rId20"/>
   </p:sldIdLst>
   <p:sldSz cx="12192000" cy="6858000"/>
   <p:notesSz cx="6858000" cy="9144000"/>
@@ -9209,7 +9210,7 @@
           <a:p>
             <a:fld id="{C17F2C1D-F243-42AB-ADF2-E7CB4E04900E}" type="datetimeFigureOut">
               <a:rPr lang="en-US" smtClean="0"/>
-              <a:t>1/3/2023</a:t>
+              <a:t>1/27/2023</a:t>
             </a:fld>
             <a:endParaRPr lang="en-US"/>
           </a:p>
@@ -9386,7 +9387,7 @@
           <a:p>
             <a:fld id="{020CE34E-5667-4A32-A6BA-10C7A552BC63}" type="datetimeFigureOut">
               <a:rPr lang="en-US" smtClean="0"/>
-              <a:t>1/3/2023</a:t>
+              <a:t>1/27/2023</a:t>
             </a:fld>
             <a:endParaRPr lang="en-US"/>
           </a:p>
@@ -10306,7 +10307,91 @@
           <a:p>
             <a:fld id="{1983A999-5E0E-42CA-8400-604AE921FF7C}" type="slidenum">
               <a:rPr lang="en-US" smtClean="0"/>
-              <a:t>15</a:t>
+              <a:t>14</a:t>
+            </a:fld>
+            <a:endParaRPr lang="en-US"/>
+          </a:p>
+        </p:txBody>
+      </p:sp>
+    </p:spTree>
+    <p:extLst>
+      <p:ext uri="{BB962C8B-B14F-4D97-AF65-F5344CB8AC3E}">
+        <p14:creationId xmlns:p14="http://schemas.microsoft.com/office/powerpoint/2010/main" val="912101262"/>
+      </p:ext>
+    </p:extLst>
+  </p:cSld>
+  <p:clrMapOvr>
+    <a:masterClrMapping/>
+  </p:clrMapOvr>
+</p:notes>
+</file>
+
+<file path=ppt/notesSlides/notesSlide9.xml><?xml version="1.0" encoding="utf-8"?>
+<p:notes xmlns:a="http://schemas.openxmlformats.org/drawingml/2006/main" xmlns:r="http://schemas.openxmlformats.org/officeDocument/2006/relationships" xmlns:p="http://schemas.openxmlformats.org/presentationml/2006/main">
+  <p:cSld>
+    <p:spTree>
+      <p:nvGrpSpPr>
+        <p:cNvPr id="1" name=""/>
+        <p:cNvGrpSpPr/>
+        <p:nvPr/>
+      </p:nvGrpSpPr>
+      <p:grpSpPr>
+        <a:xfrm>
+          <a:off x="0" y="0"/>
+          <a:ext cx="0" cy="0"/>
+          <a:chOff x="0" y="0"/>
+          <a:chExt cx="0" cy="0"/>
+        </a:xfrm>
+      </p:grpSpPr>
+      <p:sp>
+        <p:nvSpPr>
+          <p:cNvPr id="2" name="Slide Image Placeholder 1"/>
+          <p:cNvSpPr>
+            <a:spLocks noGrp="1" noRot="1" noChangeAspect="1"/>
+          </p:cNvSpPr>
+          <p:nvPr>
+            <p:ph type="sldImg"/>
+          </p:nvPr>
+        </p:nvSpPr>
+        <p:spPr/>
+      </p:sp>
+      <p:sp>
+        <p:nvSpPr>
+          <p:cNvPr id="3" name="Notes Placeholder 2"/>
+          <p:cNvSpPr>
+            <a:spLocks noGrp="1"/>
+          </p:cNvSpPr>
+          <p:nvPr>
+            <p:ph type="body" idx="1"/>
+          </p:nvPr>
+        </p:nvSpPr>
+        <p:spPr/>
+        <p:txBody>
+          <a:bodyPr/>
+          <a:lstStyle/>
+          <a:p>
+            <a:endParaRPr lang="en-US" dirty="0"/>
+          </a:p>
+        </p:txBody>
+      </p:sp>
+      <p:sp>
+        <p:nvSpPr>
+          <p:cNvPr id="4" name="Slide Number Placeholder 3"/>
+          <p:cNvSpPr>
+            <a:spLocks noGrp="1"/>
+          </p:cNvSpPr>
+          <p:nvPr>
+            <p:ph type="sldNum" sz="quarter" idx="5"/>
+          </p:nvPr>
+        </p:nvSpPr>
+        <p:spPr/>
+        <p:txBody>
+          <a:bodyPr/>
+          <a:lstStyle/>
+          <a:p>
+            <a:fld id="{1983A999-5E0E-42CA-8400-604AE921FF7C}" type="slidenum">
+              <a:rPr lang="en-US" smtClean="0"/>
+              <a:t>16</a:t>
             </a:fld>
             <a:endParaRPr lang="en-US"/>
           </a:p>
@@ -24232,6 +24317,690 @@
           <a:chExt cx="0" cy="0"/>
         </a:xfrm>
       </p:grpSpPr>
+      <p:grpSp>
+        <p:nvGrpSpPr>
+          <p:cNvPr id="25" name="Group 24">
+            <a:extLst>
+              <a:ext uri="{FF2B5EF4-FFF2-40B4-BE49-F238E27FC236}">
+                <a16:creationId xmlns:a16="http://schemas.microsoft.com/office/drawing/2014/main" id="{D10F3D66-0109-4903-90B9-66D0E288F721}"/>
+              </a:ext>
+              <a:ext uri="{C183D7F6-B498-43B3-948B-1728B52AA6E4}">
+                <adec:decorative xmlns:adec="http://schemas.microsoft.com/office/drawing/2017/decorative" val="1"/>
+              </a:ext>
+            </a:extLst>
+          </p:cNvPr>
+          <p:cNvGrpSpPr/>
+          <p:nvPr/>
+        </p:nvGrpSpPr>
+        <p:grpSpPr>
+          <a:xfrm>
+            <a:off x="10379261" y="2030035"/>
+            <a:ext cx="1335600" cy="1262947"/>
+            <a:chOff x="10145015" y="2343978"/>
+            <a:chExt cx="1335600" cy="1262947"/>
+          </a:xfrm>
+        </p:grpSpPr>
+        <p:sp>
+          <p:nvSpPr>
+            <p:cNvPr id="26" name="Freeform: Shape 25">
+              <a:extLst>
+                <a:ext uri="{FF2B5EF4-FFF2-40B4-BE49-F238E27FC236}">
+                  <a16:creationId xmlns:a16="http://schemas.microsoft.com/office/drawing/2014/main" id="{57DAB968-9B52-4EFF-AD39-7657DFEA6E48}"/>
+                </a:ext>
+              </a:extLst>
+            </p:cNvPr>
+            <p:cNvSpPr>
+              <a:spLocks noChangeAspect="1"/>
+            </p:cNvSpPr>
+            <p:nvPr/>
+          </p:nvSpPr>
+          <p:spPr>
+            <a:xfrm rot="8100000">
+              <a:off x="10400615" y="2343978"/>
+              <a:ext cx="1080000" cy="1262947"/>
+            </a:xfrm>
+            <a:custGeom>
+              <a:avLst/>
+              <a:gdLst>
+                <a:gd name="connsiteX0" fmla="*/ 540000 w 1080000"/>
+                <a:gd name="connsiteY0" fmla="*/ 0 h 1262947"/>
+                <a:gd name="connsiteX1" fmla="*/ 1080000 w 1080000"/>
+                <a:gd name="connsiteY1" fmla="*/ 931034 h 1262947"/>
+                <a:gd name="connsiteX2" fmla="*/ 1064374 w 1080000"/>
+                <a:gd name="connsiteY2" fmla="*/ 931034 h 1262947"/>
+                <a:gd name="connsiteX3" fmla="*/ 1069029 w 1080000"/>
+                <a:gd name="connsiteY3" fmla="*/ 938533 h 1262947"/>
+                <a:gd name="connsiteX4" fmla="*/ 1080000 w 1080000"/>
+                <a:gd name="connsiteY4" fmla="*/ 992947 h 1262947"/>
+                <a:gd name="connsiteX5" fmla="*/ 540000 w 1080000"/>
+                <a:gd name="connsiteY5" fmla="*/ 1262947 h 1262947"/>
+                <a:gd name="connsiteX6" fmla="*/ 0 w 1080000"/>
+                <a:gd name="connsiteY6" fmla="*/ 992947 h 1262947"/>
+                <a:gd name="connsiteX7" fmla="*/ 10971 w 1080000"/>
+                <a:gd name="connsiteY7" fmla="*/ 938533 h 1262947"/>
+                <a:gd name="connsiteX8" fmla="*/ 15626 w 1080000"/>
+                <a:gd name="connsiteY8" fmla="*/ 931034 h 1262947"/>
+                <a:gd name="connsiteX9" fmla="*/ 0 w 1080000"/>
+                <a:gd name="connsiteY9" fmla="*/ 931034 h 1262947"/>
+                <a:gd name="connsiteX0" fmla="*/ 540000 w 1080000"/>
+                <a:gd name="connsiteY0" fmla="*/ 0 h 1262947"/>
+                <a:gd name="connsiteX1" fmla="*/ 1080000 w 1080000"/>
+                <a:gd name="connsiteY1" fmla="*/ 931034 h 1262947"/>
+                <a:gd name="connsiteX2" fmla="*/ 1064374 w 1080000"/>
+                <a:gd name="connsiteY2" fmla="*/ 931034 h 1262947"/>
+                <a:gd name="connsiteX3" fmla="*/ 1069029 w 1080000"/>
+                <a:gd name="connsiteY3" fmla="*/ 938533 h 1262947"/>
+                <a:gd name="connsiteX4" fmla="*/ 1080000 w 1080000"/>
+                <a:gd name="connsiteY4" fmla="*/ 992947 h 1262947"/>
+                <a:gd name="connsiteX5" fmla="*/ 540000 w 1080000"/>
+                <a:gd name="connsiteY5" fmla="*/ 1262947 h 1262947"/>
+                <a:gd name="connsiteX6" fmla="*/ 0 w 1080000"/>
+                <a:gd name="connsiteY6" fmla="*/ 992947 h 1262947"/>
+                <a:gd name="connsiteX7" fmla="*/ 10971 w 1080000"/>
+                <a:gd name="connsiteY7" fmla="*/ 938533 h 1262947"/>
+                <a:gd name="connsiteX8" fmla="*/ 15626 w 1080000"/>
+                <a:gd name="connsiteY8" fmla="*/ 931034 h 1262947"/>
+                <a:gd name="connsiteX9" fmla="*/ 540000 w 1080000"/>
+                <a:gd name="connsiteY9" fmla="*/ 0 h 1262947"/>
+                <a:gd name="connsiteX0" fmla="*/ 540000 w 1080000"/>
+                <a:gd name="connsiteY0" fmla="*/ 0 h 1262947"/>
+                <a:gd name="connsiteX1" fmla="*/ 1064374 w 1080000"/>
+                <a:gd name="connsiteY1" fmla="*/ 931034 h 1262947"/>
+                <a:gd name="connsiteX2" fmla="*/ 1069029 w 1080000"/>
+                <a:gd name="connsiteY2" fmla="*/ 938533 h 1262947"/>
+                <a:gd name="connsiteX3" fmla="*/ 1080000 w 1080000"/>
+                <a:gd name="connsiteY3" fmla="*/ 992947 h 1262947"/>
+                <a:gd name="connsiteX4" fmla="*/ 540000 w 1080000"/>
+                <a:gd name="connsiteY4" fmla="*/ 1262947 h 1262947"/>
+                <a:gd name="connsiteX5" fmla="*/ 0 w 1080000"/>
+                <a:gd name="connsiteY5" fmla="*/ 992947 h 1262947"/>
+                <a:gd name="connsiteX6" fmla="*/ 10971 w 1080000"/>
+                <a:gd name="connsiteY6" fmla="*/ 938533 h 1262947"/>
+                <a:gd name="connsiteX7" fmla="*/ 15626 w 1080000"/>
+                <a:gd name="connsiteY7" fmla="*/ 931034 h 1262947"/>
+                <a:gd name="connsiteX8" fmla="*/ 540000 w 1080000"/>
+                <a:gd name="connsiteY8" fmla="*/ 0 h 1262947"/>
+              </a:gdLst>
+              <a:ahLst/>
+              <a:cxnLst>
+                <a:cxn ang="0">
+                  <a:pos x="connsiteX0" y="connsiteY0"/>
+                </a:cxn>
+                <a:cxn ang="0">
+                  <a:pos x="connsiteX1" y="connsiteY1"/>
+                </a:cxn>
+                <a:cxn ang="0">
+                  <a:pos x="connsiteX2" y="connsiteY2"/>
+                </a:cxn>
+                <a:cxn ang="0">
+                  <a:pos x="connsiteX3" y="connsiteY3"/>
+                </a:cxn>
+                <a:cxn ang="0">
+                  <a:pos x="connsiteX4" y="connsiteY4"/>
+                </a:cxn>
+                <a:cxn ang="0">
+                  <a:pos x="connsiteX5" y="connsiteY5"/>
+                </a:cxn>
+                <a:cxn ang="0">
+                  <a:pos x="connsiteX6" y="connsiteY6"/>
+                </a:cxn>
+                <a:cxn ang="0">
+                  <a:pos x="connsiteX7" y="connsiteY7"/>
+                </a:cxn>
+                <a:cxn ang="0">
+                  <a:pos x="connsiteX8" y="connsiteY8"/>
+                </a:cxn>
+              </a:cxnLst>
+              <a:rect l="l" t="t" r="r" b="b"/>
+              <a:pathLst>
+                <a:path w="1080000" h="1262947">
+                  <a:moveTo>
+                    <a:pt x="540000" y="0"/>
+                  </a:moveTo>
+                  <a:lnTo>
+                    <a:pt x="1064374" y="931034"/>
+                  </a:lnTo>
+                  <a:lnTo>
+                    <a:pt x="1069029" y="938533"/>
+                  </a:lnTo>
+                  <a:cubicBezTo>
+                    <a:pt x="1076223" y="956109"/>
+                    <a:pt x="1080000" y="974307"/>
+                    <a:pt x="1080000" y="992947"/>
+                  </a:cubicBezTo>
+                  <a:cubicBezTo>
+                    <a:pt x="1080000" y="1142064"/>
+                    <a:pt x="838234" y="1262947"/>
+                    <a:pt x="540000" y="1262947"/>
+                  </a:cubicBezTo>
+                  <a:cubicBezTo>
+                    <a:pt x="241766" y="1262947"/>
+                    <a:pt x="0" y="1142064"/>
+                    <a:pt x="0" y="992947"/>
+                  </a:cubicBezTo>
+                  <a:cubicBezTo>
+                    <a:pt x="0" y="974307"/>
+                    <a:pt x="3778" y="956109"/>
+                    <a:pt x="10971" y="938533"/>
+                  </a:cubicBezTo>
+                  <a:lnTo>
+                    <a:pt x="15626" y="931034"/>
+                  </a:lnTo>
+                  <a:lnTo>
+                    <a:pt x="540000" y="0"/>
+                  </a:lnTo>
+                  <a:close/>
+                </a:path>
+              </a:pathLst>
+            </a:custGeom>
+            <a:gradFill>
+              <a:gsLst>
+                <a:gs pos="60000">
+                  <a:schemeClr val="bg2">
+                    <a:lumMod val="90000"/>
+                    <a:lumOff val="10000"/>
+                  </a:schemeClr>
+                </a:gs>
+                <a:gs pos="30000">
+                  <a:schemeClr val="bg2">
+                    <a:lumMod val="90000"/>
+                    <a:lumOff val="10000"/>
+                  </a:schemeClr>
+                </a:gs>
+                <a:gs pos="40000">
+                  <a:schemeClr val="bg2">
+                    <a:lumMod val="80000"/>
+                    <a:lumOff val="20000"/>
+                  </a:schemeClr>
+                </a:gs>
+                <a:gs pos="100000">
+                  <a:schemeClr val="bg2"/>
+                </a:gs>
+              </a:gsLst>
+              <a:lin ang="600000" scaled="0"/>
+            </a:gradFill>
+            <a:ln>
+              <a:noFill/>
+            </a:ln>
+            <a:effectLst>
+              <a:innerShdw blurRad="254000" dist="101600" dir="7320000">
+                <a:schemeClr val="accent1">
+                  <a:lumMod val="60000"/>
+                  <a:lumOff val="40000"/>
+                  <a:alpha val="40000"/>
+                </a:schemeClr>
+              </a:innerShdw>
+            </a:effectLst>
+          </p:spPr>
+          <p:style>
+            <a:lnRef idx="2">
+              <a:schemeClr val="accent1">
+                <a:shade val="50000"/>
+              </a:schemeClr>
+            </a:lnRef>
+            <a:fillRef idx="1">
+              <a:schemeClr val="accent1"/>
+            </a:fillRef>
+            <a:effectRef idx="0">
+              <a:schemeClr val="accent1"/>
+            </a:effectRef>
+            <a:fontRef idx="minor">
+              <a:schemeClr val="lt1"/>
+            </a:fontRef>
+          </p:style>
+          <p:txBody>
+            <a:bodyPr rot="0" spcFirstLastPara="0" vertOverflow="overflow" horzOverflow="overflow" vert="horz" wrap="square" lIns="91440" tIns="45720" rIns="91440" bIns="45720" numCol="1" spcCol="0" rtlCol="0" fromWordArt="0" anchor="ctr" anchorCtr="0" forceAA="0" compatLnSpc="1">
+              <a:prstTxWarp prst="textNoShape">
+                <a:avLst/>
+              </a:prstTxWarp>
+              <a:noAutofit/>
+            </a:bodyPr>
+            <a:lstStyle/>
+            <a:p>
+              <a:pPr algn="ctr"/>
+              <a:endParaRPr lang="en-US"/>
+            </a:p>
+          </p:txBody>
+        </p:sp>
+        <p:sp>
+          <p:nvSpPr>
+            <p:cNvPr id="27" name="Oval 26">
+              <a:extLst>
+                <a:ext uri="{FF2B5EF4-FFF2-40B4-BE49-F238E27FC236}">
+                  <a16:creationId xmlns:a16="http://schemas.microsoft.com/office/drawing/2014/main" id="{962BE440-9634-4380-B142-5DB692420C52}"/>
+                </a:ext>
+              </a:extLst>
+            </p:cNvPr>
+            <p:cNvSpPr/>
+            <p:nvPr/>
+          </p:nvSpPr>
+          <p:spPr>
+            <a:xfrm rot="13500000">
+              <a:off x="10415015" y="2179851"/>
+              <a:ext cx="540000" cy="1080000"/>
+            </a:xfrm>
+            <a:prstGeom prst="ellipse">
+              <a:avLst/>
+            </a:prstGeom>
+            <a:gradFill>
+              <a:gsLst>
+                <a:gs pos="100000">
+                  <a:schemeClr val="accent1">
+                    <a:lumMod val="60000"/>
+                    <a:lumOff val="40000"/>
+                    <a:alpha val="0"/>
+                  </a:schemeClr>
+                </a:gs>
+                <a:gs pos="0">
+                  <a:schemeClr val="bg2">
+                    <a:lumMod val="75000"/>
+                    <a:lumOff val="25000"/>
+                    <a:alpha val="33000"/>
+                  </a:schemeClr>
+                </a:gs>
+              </a:gsLst>
+              <a:lin ang="5400000" scaled="0"/>
+            </a:gradFill>
+            <a:ln>
+              <a:noFill/>
+            </a:ln>
+            <a:effectLst>
+              <a:innerShdw blurRad="1270000" dist="2540000">
+                <a:schemeClr val="accent1">
+                  <a:lumMod val="60000"/>
+                  <a:lumOff val="40000"/>
+                  <a:alpha val="0"/>
+                </a:schemeClr>
+              </a:innerShdw>
+            </a:effectLst>
+          </p:spPr>
+          <p:style>
+            <a:lnRef idx="2">
+              <a:schemeClr val="accent1">
+                <a:shade val="50000"/>
+              </a:schemeClr>
+            </a:lnRef>
+            <a:fillRef idx="1">
+              <a:schemeClr val="accent1"/>
+            </a:fillRef>
+            <a:effectRef idx="0">
+              <a:schemeClr val="accent1"/>
+            </a:effectRef>
+            <a:fontRef idx="minor">
+              <a:schemeClr val="lt1"/>
+            </a:fontRef>
+          </p:style>
+          <p:txBody>
+            <a:bodyPr rot="0" spcFirstLastPara="0" vertOverflow="overflow" horzOverflow="overflow" vert="horz" wrap="square" lIns="91440" tIns="45720" rIns="91440" bIns="45720" numCol="1" spcCol="0" rtlCol="0" fromWordArt="0" anchor="ctr" anchorCtr="0" forceAA="0" compatLnSpc="1">
+              <a:prstTxWarp prst="textNoShape">
+                <a:avLst/>
+              </a:prstTxWarp>
+              <a:noAutofit/>
+            </a:bodyPr>
+            <a:lstStyle/>
+            <a:p>
+              <a:pPr algn="ctr"/>
+              <a:endParaRPr lang="en-US"/>
+            </a:p>
+          </p:txBody>
+        </p:sp>
+      </p:grpSp>
+      <p:sp>
+        <p:nvSpPr>
+          <p:cNvPr id="7" name="Title 6">
+            <a:extLst>
+              <a:ext uri="{FF2B5EF4-FFF2-40B4-BE49-F238E27FC236}">
+                <a16:creationId xmlns:a16="http://schemas.microsoft.com/office/drawing/2014/main" id="{4B18D636-CC10-4B1E-AA38-419DCCF2D9C9}"/>
+              </a:ext>
+            </a:extLst>
+          </p:cNvPr>
+          <p:cNvSpPr>
+            <a:spLocks noGrp="1"/>
+          </p:cNvSpPr>
+          <p:nvPr>
+            <p:ph type="title"/>
+          </p:nvPr>
+        </p:nvSpPr>
+        <p:spPr>
+          <a:xfrm>
+            <a:off x="550862" y="549275"/>
+            <a:ext cx="11097551" cy="772675"/>
+          </a:xfrm>
+        </p:spPr>
+        <p:txBody>
+          <a:bodyPr>
+            <a:normAutofit/>
+          </a:bodyPr>
+          <a:lstStyle/>
+          <a:p>
+            <a:r>
+              <a:rPr lang="en-US"/>
+              <a:t>Code Example</a:t>
+            </a:r>
+            <a:endParaRPr lang="en-US" dirty="0"/>
+          </a:p>
+        </p:txBody>
+      </p:sp>
+      <p:sp>
+        <p:nvSpPr>
+          <p:cNvPr id="5" name="Footer Placeholder 4">
+            <a:extLst>
+              <a:ext uri="{FF2B5EF4-FFF2-40B4-BE49-F238E27FC236}">
+                <a16:creationId xmlns:a16="http://schemas.microsoft.com/office/drawing/2014/main" id="{06A3302E-502D-4151-81C9-5FD6AF9596D6}"/>
+              </a:ext>
+            </a:extLst>
+          </p:cNvPr>
+          <p:cNvSpPr>
+            <a:spLocks noGrp="1"/>
+          </p:cNvSpPr>
+          <p:nvPr>
+            <p:ph type="ftr" sz="quarter" idx="11"/>
+          </p:nvPr>
+        </p:nvSpPr>
+        <p:spPr>
+          <a:xfrm>
+            <a:off x="3359150" y="6507212"/>
+            <a:ext cx="6379210" cy="153888"/>
+          </a:xfrm>
+        </p:spPr>
+        <p:txBody>
+          <a:bodyPr/>
+          <a:lstStyle/>
+          <a:p>
+            <a:r>
+              <a:rPr lang="en-US"/>
+              <a:t>MDN High Performance Programming</a:t>
+            </a:r>
+            <a:endParaRPr lang="en-US" dirty="0"/>
+          </a:p>
+        </p:txBody>
+      </p:sp>
+      <p:sp>
+        <p:nvSpPr>
+          <p:cNvPr id="6" name="Slide Number Placeholder 5">
+            <a:extLst>
+              <a:ext uri="{FF2B5EF4-FFF2-40B4-BE49-F238E27FC236}">
+                <a16:creationId xmlns:a16="http://schemas.microsoft.com/office/drawing/2014/main" id="{9ED907F8-C614-4D59-A03F-BF9CD5E35703}"/>
+              </a:ext>
+            </a:extLst>
+          </p:cNvPr>
+          <p:cNvSpPr>
+            <a:spLocks noGrp="1"/>
+          </p:cNvSpPr>
+          <p:nvPr>
+            <p:ph type="sldNum" sz="quarter" idx="12"/>
+          </p:nvPr>
+        </p:nvSpPr>
+        <p:spPr>
+          <a:xfrm>
+            <a:off x="9948863" y="6507212"/>
+            <a:ext cx="1692274" cy="153888"/>
+          </a:xfrm>
+        </p:spPr>
+        <p:txBody>
+          <a:bodyPr/>
+          <a:lstStyle/>
+          <a:p>
+            <a:fld id="{DBA1B0FB-D917-4C8C-928F-313BD683BF39}" type="slidenum">
+              <a:rPr lang="en-US" smtClean="0"/>
+              <a:pPr/>
+              <a:t>14</a:t>
+            </a:fld>
+            <a:endParaRPr lang="en-US"/>
+          </a:p>
+        </p:txBody>
+      </p:sp>
+      <p:sp>
+        <p:nvSpPr>
+          <p:cNvPr id="22" name="Freeform: Shape 21">
+            <a:extLst>
+              <a:ext uri="{FF2B5EF4-FFF2-40B4-BE49-F238E27FC236}">
+                <a16:creationId xmlns:a16="http://schemas.microsoft.com/office/drawing/2014/main" id="{C6F3814E-455F-456B-B1AF-7B993965A2C0}"/>
+              </a:ext>
+              <a:ext uri="{C183D7F6-B498-43B3-948B-1728B52AA6E4}">
+                <adec:decorative xmlns:adec="http://schemas.microsoft.com/office/drawing/2017/decorative" val="1"/>
+              </a:ext>
+            </a:extLst>
+          </p:cNvPr>
+          <p:cNvSpPr>
+            <a:spLocks noChangeAspect="1"/>
+          </p:cNvSpPr>
+          <p:nvPr/>
+        </p:nvSpPr>
+        <p:spPr>
+          <a:xfrm>
+            <a:off x="4295775" y="0"/>
+            <a:ext cx="360000" cy="274638"/>
+          </a:xfrm>
+          <a:custGeom>
+            <a:avLst/>
+            <a:gdLst>
+              <a:gd name="connsiteX0" fmla="*/ 30714 w 360000"/>
+              <a:gd name="connsiteY0" fmla="*/ 0 h 274638"/>
+              <a:gd name="connsiteX1" fmla="*/ 329286 w 360000"/>
+              <a:gd name="connsiteY1" fmla="*/ 0 h 274638"/>
+              <a:gd name="connsiteX2" fmla="*/ 345855 w 360000"/>
+              <a:gd name="connsiteY2" fmla="*/ 24574 h 274638"/>
+              <a:gd name="connsiteX3" fmla="*/ 360000 w 360000"/>
+              <a:gd name="connsiteY3" fmla="*/ 94638 h 274638"/>
+              <a:gd name="connsiteX4" fmla="*/ 180000 w 360000"/>
+              <a:gd name="connsiteY4" fmla="*/ 274638 h 274638"/>
+              <a:gd name="connsiteX5" fmla="*/ 0 w 360000"/>
+              <a:gd name="connsiteY5" fmla="*/ 94638 h 274638"/>
+              <a:gd name="connsiteX6" fmla="*/ 14145 w 360000"/>
+              <a:gd name="connsiteY6" fmla="*/ 24574 h 274638"/>
+            </a:gdLst>
+            <a:ahLst/>
+            <a:cxnLst>
+              <a:cxn ang="0">
+                <a:pos x="connsiteX0" y="connsiteY0"/>
+              </a:cxn>
+              <a:cxn ang="0">
+                <a:pos x="connsiteX1" y="connsiteY1"/>
+              </a:cxn>
+              <a:cxn ang="0">
+                <a:pos x="connsiteX2" y="connsiteY2"/>
+              </a:cxn>
+              <a:cxn ang="0">
+                <a:pos x="connsiteX3" y="connsiteY3"/>
+              </a:cxn>
+              <a:cxn ang="0">
+                <a:pos x="connsiteX4" y="connsiteY4"/>
+              </a:cxn>
+              <a:cxn ang="0">
+                <a:pos x="connsiteX5" y="connsiteY5"/>
+              </a:cxn>
+              <a:cxn ang="0">
+                <a:pos x="connsiteX6" y="connsiteY6"/>
+              </a:cxn>
+            </a:cxnLst>
+            <a:rect l="l" t="t" r="r" b="b"/>
+            <a:pathLst>
+              <a:path w="360000" h="274638">
+                <a:moveTo>
+                  <a:pt x="30714" y="0"/>
+                </a:moveTo>
+                <a:lnTo>
+                  <a:pt x="329286" y="0"/>
+                </a:lnTo>
+                <a:lnTo>
+                  <a:pt x="345855" y="24574"/>
+                </a:lnTo>
+                <a:cubicBezTo>
+                  <a:pt x="354963" y="46109"/>
+                  <a:pt x="360000" y="69785"/>
+                  <a:pt x="360000" y="94638"/>
+                </a:cubicBezTo>
+                <a:cubicBezTo>
+                  <a:pt x="360000" y="194049"/>
+                  <a:pt x="279411" y="274638"/>
+                  <a:pt x="180000" y="274638"/>
+                </a:cubicBezTo>
+                <a:cubicBezTo>
+                  <a:pt x="80589" y="274638"/>
+                  <a:pt x="0" y="194049"/>
+                  <a:pt x="0" y="94638"/>
+                </a:cubicBezTo>
+                <a:cubicBezTo>
+                  <a:pt x="0" y="69785"/>
+                  <a:pt x="5037" y="46109"/>
+                  <a:pt x="14145" y="24574"/>
+                </a:cubicBezTo>
+                <a:close/>
+              </a:path>
+            </a:pathLst>
+          </a:custGeom>
+          <a:gradFill flip="none" rotWithShape="1">
+            <a:gsLst>
+              <a:gs pos="100000">
+                <a:schemeClr val="bg2">
+                  <a:lumMod val="50000"/>
+                  <a:lumOff val="50000"/>
+                </a:schemeClr>
+              </a:gs>
+              <a:gs pos="60000">
+                <a:schemeClr val="bg2"/>
+              </a:gs>
+            </a:gsLst>
+            <a:path path="circle">
+              <a:fillToRect l="100000" b="100000"/>
+            </a:path>
+            <a:tileRect t="-100000" r="-100000"/>
+          </a:gradFill>
+          <a:ln>
+            <a:noFill/>
+          </a:ln>
+          <a:effectLst>
+            <a:innerShdw blurRad="127000" dist="63500" dir="2700000">
+              <a:schemeClr val="accent1">
+                <a:lumMod val="60000"/>
+                <a:lumOff val="40000"/>
+                <a:alpha val="20000"/>
+              </a:schemeClr>
+            </a:innerShdw>
+            <a:softEdge rad="0"/>
+          </a:effectLst>
+        </p:spPr>
+        <p:style>
+          <a:lnRef idx="2">
+            <a:schemeClr val="accent1">
+              <a:shade val="50000"/>
+            </a:schemeClr>
+          </a:lnRef>
+          <a:fillRef idx="1">
+            <a:schemeClr val="accent1"/>
+          </a:fillRef>
+          <a:effectRef idx="0">
+            <a:schemeClr val="accent1"/>
+          </a:effectRef>
+          <a:fontRef idx="minor">
+            <a:schemeClr val="lt1"/>
+          </a:fontRef>
+        </p:style>
+        <p:txBody>
+          <a:bodyPr rot="0" spcFirstLastPara="0" vertOverflow="overflow" horzOverflow="overflow" vert="horz" wrap="square" lIns="91440" tIns="45720" rIns="91440" bIns="45720" numCol="1" spcCol="0" rtlCol="0" fromWordArt="0" anchor="ctr" anchorCtr="0" forceAA="0" compatLnSpc="1">
+            <a:prstTxWarp prst="textNoShape">
+              <a:avLst/>
+            </a:prstTxWarp>
+            <a:noAutofit/>
+          </a:bodyPr>
+          <a:lstStyle/>
+          <a:p>
+            <a:pPr algn="ctr"/>
+            <a:endParaRPr lang="en-US"/>
+          </a:p>
+        </p:txBody>
+      </p:sp>
+      <p:sp>
+        <p:nvSpPr>
+          <p:cNvPr id="8" name="TextBox 7">
+            <a:extLst>
+              <a:ext uri="{FF2B5EF4-FFF2-40B4-BE49-F238E27FC236}">
+                <a16:creationId xmlns:a16="http://schemas.microsoft.com/office/drawing/2014/main" id="{52AF4F5D-59B4-66E6-0915-6C8692E724D7}"/>
+              </a:ext>
+            </a:extLst>
+          </p:cNvPr>
+          <p:cNvSpPr txBox="1"/>
+          <p:nvPr/>
+        </p:nvSpPr>
+        <p:spPr>
+          <a:xfrm>
+            <a:off x="550862" y="1367812"/>
+            <a:ext cx="11090275" cy="276999"/>
+          </a:xfrm>
+          <a:prstGeom prst="rect">
+            <a:avLst/>
+          </a:prstGeom>
+          <a:noFill/>
+        </p:spPr>
+        <p:txBody>
+          <a:bodyPr wrap="square" rtlCol="0">
+            <a:spAutoFit/>
+          </a:bodyPr>
+          <a:lstStyle/>
+          <a:p>
+            <a:r>
+              <a:rPr lang="en-AU" sz="1200" b="0" dirty="0" err="1">
+                <a:solidFill>
+                  <a:srgbClr val="F7F1FF"/>
+                </a:solidFill>
+                <a:effectLst/>
+                <a:latin typeface="Consolas" panose="020B0609020204030204" pitchFamily="49" charset="0"/>
+              </a:rPr>
+              <a:t>aAbBcCdD</a:t>
+            </a:r>
+            <a:endParaRPr lang="en-AU" sz="1200" b="0" dirty="0">
+              <a:solidFill>
+                <a:srgbClr val="F7F1FF"/>
+              </a:solidFill>
+              <a:effectLst/>
+              <a:latin typeface="Consolas" panose="020B0609020204030204" pitchFamily="49" charset="0"/>
+            </a:endParaRPr>
+          </a:p>
+        </p:txBody>
+      </p:sp>
+    </p:spTree>
+    <p:extLst>
+      <p:ext uri="{BB962C8B-B14F-4D97-AF65-F5344CB8AC3E}">
+        <p14:creationId xmlns:p14="http://schemas.microsoft.com/office/powerpoint/2010/main" val="3170456912"/>
+      </p:ext>
+    </p:extLst>
+  </p:cSld>
+  <p:clrMapOvr>
+    <a:masterClrMapping/>
+  </p:clrMapOvr>
+  <mc:AlternateContent xmlns:mc="http://schemas.openxmlformats.org/markup-compatibility/2006" xmlns:p159="http://schemas.microsoft.com/office/powerpoint/2015/09/main">
+    <mc:Choice Requires="p159">
+      <p:transition xmlns:p14="http://schemas.microsoft.com/office/powerpoint/2010/main" spd="slow" p14:dur="2000">
+        <p159:morph option="byChar"/>
+      </p:transition>
+    </mc:Choice>
+    <mc:Fallback xmlns="">
+      <p:transition spd="slow">
+        <p:fade/>
+      </p:transition>
+    </mc:Fallback>
+  </mc:AlternateContent>
+</p:sld>
+</file>
+
+<file path=ppt/slides/slide15.xml><?xml version="1.0" encoding="utf-8"?>
+<p:sld xmlns:a="http://schemas.openxmlformats.org/drawingml/2006/main" xmlns:r="http://schemas.openxmlformats.org/officeDocument/2006/relationships" xmlns:p="http://schemas.openxmlformats.org/presentationml/2006/main">
+  <p:cSld>
+    <p:spTree>
+      <p:nvGrpSpPr>
+        <p:cNvPr id="1" name=""/>
+        <p:cNvGrpSpPr/>
+        <p:nvPr/>
+      </p:nvGrpSpPr>
+      <p:grpSpPr>
+        <a:xfrm>
+          <a:off x="0" y="0"/>
+          <a:ext cx="0" cy="0"/>
+          <a:chOff x="0" y="0"/>
+          <a:chExt cx="0" cy="0"/>
+        </a:xfrm>
+      </p:grpSpPr>
       <p:sp>
         <p:nvSpPr>
           <p:cNvPr id="7" name="Title 6">
@@ -24621,7 +25390,7 @@
             <a:fld id="{DBA1B0FB-D917-4C8C-928F-313BD683BF39}" type="slidenum">
               <a:rPr lang="en-US" smtClean="0"/>
               <a:pPr/>
-              <a:t>14</a:t>
+              <a:t>15</a:t>
             </a:fld>
             <a:endParaRPr lang="en-US"/>
           </a:p>
@@ -24652,7 +25421,7 @@
 </p:sld>
 </file>
 
-<file path=ppt/slides/slide15.xml><?xml version="1.0" encoding="utf-8"?>
+<file path=ppt/slides/slide16.xml><?xml version="1.0" encoding="utf-8"?>
 <p:sld xmlns:a="http://schemas.openxmlformats.org/drawingml/2006/main" xmlns:r="http://schemas.openxmlformats.org/officeDocument/2006/relationships" xmlns:p="http://schemas.openxmlformats.org/presentationml/2006/main">
   <p:cSld>
     <p:spTree>
@@ -24834,7 +25603,7 @@
             <a:fld id="{DBA1B0FB-D917-4C8C-928F-313BD683BF39}" type="slidenum">
               <a:rPr lang="en-US" smtClean="0"/>
               <a:pPr/>
-              <a:t>15</a:t>
+              <a:t>16</a:t>
             </a:fld>
             <a:endParaRPr lang="en-US"/>
           </a:p>
@@ -30111,22 +30880,12 @@
 </file>
 
 <file path=customXml/item1.xml><?xml version="1.0" encoding="utf-8"?>
-<p:properties xmlns:p="http://schemas.microsoft.com/office/2006/metadata/properties" xmlns:xsi="http://www.w3.org/2001/XMLSchema-instance" xmlns:pc="http://schemas.microsoft.com/office/infopath/2007/PartnerControls">
-  <documentManagement>
-    <_ip_UnifiedCompliancePolicyUIAction xmlns="http://schemas.microsoft.com/sharepoint/v3" xsi:nil="true"/>
-    <Image xmlns="71af3243-3dd4-4a8d-8c0d-dd76da1f02a5">
-      <Url xsi:nil="true"/>
-      <Description xsi:nil="true"/>
-    </Image>
-    <Status xmlns="71af3243-3dd4-4a8d-8c0d-dd76da1f02a5">Not started</Status>
-    <_ip_UnifiedCompliancePolicyProperties xmlns="http://schemas.microsoft.com/sharepoint/v3" xsi:nil="true"/>
-    <lcf76f155ced4ddcb4097134ff3c332f xmlns="71af3243-3dd4-4a8d-8c0d-dd76da1f02a5">
-      <Terms xmlns="http://schemas.microsoft.com/office/infopath/2007/PartnerControls"/>
-    </lcf76f155ced4ddcb4097134ff3c332f>
-    <TaxCatchAll xmlns="230e9df3-be65-4c73-a93b-d1236ebd677e"/>
-    <MediaServiceKeyPoints xmlns="71af3243-3dd4-4a8d-8c0d-dd76da1f02a5" xsi:nil="true"/>
-  </documentManagement>
-</p:properties>
+<?mso-contentType ?>
+<FormTemplates xmlns="http://schemas.microsoft.com/sharepoint/v3/contenttype/forms">
+  <Display>DocumentLibraryForm</Display>
+  <Edit>DocumentLibraryForm</Edit>
+  <New>DocumentLibraryForm</New>
+</FormTemplates>
 </file>
 
 <file path=customXml/item2.xml><?xml version="1.0" encoding="utf-8"?>
@@ -30406,22 +31165,28 @@
 </file>
 
 <file path=customXml/item3.xml><?xml version="1.0" encoding="utf-8"?>
-<?mso-contentType ?>
-<FormTemplates xmlns="http://schemas.microsoft.com/sharepoint/v3/contenttype/forms">
-  <Display>DocumentLibraryForm</Display>
-  <Edit>DocumentLibraryForm</Edit>
-  <New>DocumentLibraryForm</New>
-</FormTemplates>
+<p:properties xmlns:p="http://schemas.microsoft.com/office/2006/metadata/properties" xmlns:xsi="http://www.w3.org/2001/XMLSchema-instance" xmlns:pc="http://schemas.microsoft.com/office/infopath/2007/PartnerControls">
+  <documentManagement>
+    <_ip_UnifiedCompliancePolicyUIAction xmlns="http://schemas.microsoft.com/sharepoint/v3" xsi:nil="true"/>
+    <Image xmlns="71af3243-3dd4-4a8d-8c0d-dd76da1f02a5">
+      <Url xsi:nil="true"/>
+      <Description xsi:nil="true"/>
+    </Image>
+    <Status xmlns="71af3243-3dd4-4a8d-8c0d-dd76da1f02a5">Not started</Status>
+    <_ip_UnifiedCompliancePolicyProperties xmlns="http://schemas.microsoft.com/sharepoint/v3" xsi:nil="true"/>
+    <lcf76f155ced4ddcb4097134ff3c332f xmlns="71af3243-3dd4-4a8d-8c0d-dd76da1f02a5">
+      <Terms xmlns="http://schemas.microsoft.com/office/infopath/2007/PartnerControls"/>
+    </lcf76f155ced4ddcb4097134ff3c332f>
+    <TaxCatchAll xmlns="230e9df3-be65-4c73-a93b-d1236ebd677e"/>
+    <MediaServiceKeyPoints xmlns="71af3243-3dd4-4a8d-8c0d-dd76da1f02a5" xsi:nil="true"/>
+  </documentManagement>
+</p:properties>
 </file>
 
 <file path=customXml/itemProps1.xml><?xml version="1.0" encoding="utf-8"?>
-<ds:datastoreItem xmlns:ds="http://schemas.openxmlformats.org/officeDocument/2006/customXml" ds:itemID="{50811A92-D464-4AC4-A396-BA73B10CEEAC}">
+<ds:datastoreItem xmlns:ds="http://schemas.openxmlformats.org/officeDocument/2006/customXml" ds:itemID="{904751AB-E840-446F-8D49-E697067EC887}">
   <ds:schemaRefs>
-    <ds:schemaRef ds:uri="http://schemas.microsoft.com/office/2006/metadata/properties"/>
-    <ds:schemaRef ds:uri="http://schemas.microsoft.com/office/infopath/2007/PartnerControls"/>
-    <ds:schemaRef ds:uri="http://schemas.microsoft.com/sharepoint/v3"/>
-    <ds:schemaRef ds:uri="71af3243-3dd4-4a8d-8c0d-dd76da1f02a5"/>
-    <ds:schemaRef ds:uri="230e9df3-be65-4c73-a93b-d1236ebd677e"/>
+    <ds:schemaRef ds:uri="http://schemas.microsoft.com/sharepoint/v3/contenttype/forms"/>
   </ds:schemaRefs>
 </ds:datastoreItem>
 </file>
@@ -30448,9 +31213,13 @@
 </file>
 
 <file path=customXml/itemProps3.xml><?xml version="1.0" encoding="utf-8"?>
-<ds:datastoreItem xmlns:ds="http://schemas.openxmlformats.org/officeDocument/2006/customXml" ds:itemID="{904751AB-E840-446F-8D49-E697067EC887}">
+<ds:datastoreItem xmlns:ds="http://schemas.openxmlformats.org/officeDocument/2006/customXml" ds:itemID="{50811A92-D464-4AC4-A396-BA73B10CEEAC}">
   <ds:schemaRefs>
-    <ds:schemaRef ds:uri="http://schemas.microsoft.com/sharepoint/v3/contenttype/forms"/>
+    <ds:schemaRef ds:uri="http://schemas.microsoft.com/office/2006/metadata/properties"/>
+    <ds:schemaRef ds:uri="http://schemas.microsoft.com/office/infopath/2007/PartnerControls"/>
+    <ds:schemaRef ds:uri="http://schemas.microsoft.com/sharepoint/v3"/>
+    <ds:schemaRef ds:uri="71af3243-3dd4-4a8d-8c0d-dd76da1f02a5"/>
+    <ds:schemaRef ds:uri="230e9df3-be65-4c73-a93b-d1236ebd677e"/>
   </ds:schemaRefs>
 </ds:datastoreItem>
 </file>
